--- a/Presentacion.pptx
+++ b/Presentacion.pptx
@@ -20,21 +20,21 @@
   <p:notesSz cx="6858000" cy="9144000"/>
   <p:embeddedFontLst>
     <p:embeddedFont>
-      <p:font typeface="Calibri" panose="020F0502020204030204" pitchFamily="34" charset="0"/>
+      <p:font typeface="Nunito Sans" panose="020B0604020202020204" charset="0"/>
       <p:regular r:id="rId10"/>
       <p:bold r:id="rId11"/>
       <p:italic r:id="rId12"/>
       <p:boldItalic r:id="rId13"/>
     </p:embeddedFont>
     <p:embeddedFont>
-      <p:font typeface="Georgia" panose="02040502050405020303" pitchFamily="18" charset="0"/>
+      <p:font typeface="Calibri" panose="020F0502020204030204" pitchFamily="34" charset="0"/>
       <p:regular r:id="rId14"/>
       <p:bold r:id="rId15"/>
       <p:italic r:id="rId16"/>
       <p:boldItalic r:id="rId17"/>
     </p:embeddedFont>
     <p:embeddedFont>
-      <p:font typeface="Nunito Sans" panose="020B0604020202020204" charset="0"/>
+      <p:font typeface="Georgia" panose="02040502050405020303" pitchFamily="18" charset="0"/>
       <p:regular r:id="rId18"/>
       <p:bold r:id="rId19"/>
       <p:italic r:id="rId20"/>
@@ -270,6 +270,11 @@
       </a:defRPr>
     </a:lvl9pPr>
   </p:defaultTextStyle>
+  <p:extLst>
+    <p:ext uri="{EFAFB233-063F-42B5-8137-9DF3F51BA10A}">
+      <p15:sldGuideLst xmlns:p15="http://schemas.microsoft.com/office/powerpoint/2012/main"/>
+    </p:ext>
+  </p:extLst>
 </p:presentation>
 </file>
 
@@ -16058,6 +16063,18 @@
               </a:rPr>
               <a:t>Shaid Bojorquez Interián</a:t>
             </a:r>
+            <a:r>
+              <a:rPr lang="en" sz="2800" b="1" i="0" u="none" strike="noStrike" cap="none">
+                <a:solidFill>
+                  <a:srgbClr val="F67031"/>
+                </a:solidFill>
+                <a:latin typeface="Nunito Sans"/>
+                <a:ea typeface="Nunito Sans"/>
+                <a:cs typeface="Nunito Sans"/>
+                <a:sym typeface="Nunito Sans"/>
+              </a:rPr>
+              <a:t/>
+            </a:r>
             <a:br>
               <a:rPr lang="en" sz="2800" b="1" i="0" u="none" strike="noStrike" cap="none">
                 <a:solidFill>
@@ -17634,7 +17651,7 @@
               <a:buNone/>
             </a:pPr>
             <a:r>
-              <a:rPr lang="en" sz="1800" b="1" i="0" u="none" strike="noStrike" cap="none">
+              <a:rPr lang="en" sz="1800" b="1" i="0" u="none" strike="noStrike" cap="none" dirty="0">
                 <a:solidFill>
                   <a:srgbClr val="666666"/>
                 </a:solidFill>
@@ -17646,7 +17663,7 @@
               <a:t>HERRAMIENTAS A </a:t>
             </a:r>
             <a:r>
-              <a:rPr lang="en" sz="1800" b="1" i="0" u="none" strike="noStrike" cap="none">
+              <a:rPr lang="en" sz="1800" b="1" i="0" u="none" strike="noStrike" cap="none" dirty="0">
                 <a:solidFill>
                   <a:srgbClr val="F67031"/>
                 </a:solidFill>
@@ -17657,7 +17674,7 @@
               </a:rPr>
               <a:t>UTILIZAR</a:t>
             </a:r>
-            <a:endParaRPr sz="1800" b="0" i="0" u="none" strike="noStrike" cap="none">
+            <a:endParaRPr sz="1800" b="0" i="0" u="none" strike="noStrike" cap="none" dirty="0">
               <a:solidFill>
                 <a:srgbClr val="F67031"/>
               </a:solidFill>
@@ -17685,7 +17702,7 @@
               <a:buFont typeface="Nunito Sans"/>
               <a:buNone/>
             </a:pPr>
-            <a:endParaRPr sz="1100" b="0" i="0" u="none" strike="noStrike" cap="none">
+            <a:endParaRPr sz="1100" b="0" i="0" u="none" strike="noStrike" cap="none" dirty="0">
               <a:solidFill>
                 <a:srgbClr val="666666"/>
               </a:solidFill>
@@ -17714,7 +17731,7 @@
               <a:buNone/>
             </a:pPr>
             <a:r>
-              <a:rPr lang="en" sz="1400" b="0" i="0" u="none" strike="noStrike" cap="none">
+              <a:rPr lang="en" sz="1400" b="0" i="0" u="none" strike="noStrike" cap="none" dirty="0">
                 <a:solidFill>
                   <a:srgbClr val="666666"/>
                 </a:solidFill>
@@ -17725,7 +17742,7 @@
               </a:rPr>
               <a:t>Diagrama de Gantt para la organizar y mostrar el tiempo de dedicación previsto para diferentes tareas o actividades a lo largo del tiempo.</a:t>
             </a:r>
-            <a:endParaRPr/>
+            <a:endParaRPr dirty="0"/>
           </a:p>
           <a:p>
             <a:pPr marL="0" marR="0" lvl="0" indent="0" algn="l" rtl="0">
@@ -17745,7 +17762,7 @@
               <a:buFont typeface="Nunito Sans"/>
               <a:buNone/>
             </a:pPr>
-            <a:endParaRPr sz="1400" b="0" i="0" u="none" strike="noStrike" cap="none">
+            <a:endParaRPr sz="1400" b="0" i="0" u="none" strike="noStrike" cap="none" dirty="0">
               <a:solidFill>
                 <a:srgbClr val="666666"/>
               </a:solidFill>
@@ -17774,7 +17791,7 @@
               <a:buNone/>
             </a:pPr>
             <a:r>
-              <a:rPr lang="en" sz="1400" b="0" i="0" u="none" strike="noStrike" cap="none">
+              <a:rPr lang="en" sz="1400" b="0" i="0" u="none" strike="noStrike" cap="none" dirty="0">
                 <a:solidFill>
                   <a:srgbClr val="666666"/>
                 </a:solidFill>
@@ -17785,7 +17802,7 @@
               </a:rPr>
               <a:t>Google Drive para mantener compartido los archivos del proyecto como los diagramas de clase, las minutas de trabajo, diagrama de Gantt.</a:t>
             </a:r>
-            <a:endParaRPr/>
+            <a:endParaRPr dirty="0"/>
           </a:p>
           <a:p>
             <a:pPr marL="0" marR="0" lvl="0" indent="0" algn="l" rtl="0">
@@ -17805,7 +17822,7 @@
               <a:buFont typeface="Nunito Sans"/>
               <a:buNone/>
             </a:pPr>
-            <a:endParaRPr sz="1400" b="0" i="0" u="none" strike="noStrike" cap="none">
+            <a:endParaRPr sz="1400" b="0" i="0" u="none" strike="noStrike" cap="none" dirty="0">
               <a:solidFill>
                 <a:srgbClr val="666666"/>
               </a:solidFill>
@@ -17834,7 +17851,7 @@
               <a:buNone/>
             </a:pPr>
             <a:r>
-              <a:rPr lang="en" sz="1400" b="0" i="0" u="none" strike="noStrike" cap="none">
+              <a:rPr lang="en" sz="1400" b="0" i="0" u="none" strike="noStrike" cap="none" dirty="0">
                 <a:solidFill>
                   <a:srgbClr val="666666"/>
                 </a:solidFill>
@@ -17843,9 +17860,49 @@
                 <a:cs typeface="Nunito Sans"/>
                 <a:sym typeface="Nunito Sans"/>
               </a:rPr>
-              <a:t>GitHub, se crea el repositorio y se controla las versiones del proyecto y todos pueden contribuir en el código</a:t>
+              <a:t>GitHub, se crea el repositorio y se controla las versiones del proyecto y todos pueden contribuir en el </a:t>
             </a:r>
-            <a:endParaRPr sz="1400" b="0" i="0" u="none" strike="noStrike" cap="none">
+            <a:r>
+              <a:rPr lang="en" sz="1400" b="0" i="0" u="none" strike="noStrike" cap="none" dirty="0" smtClean="0">
+                <a:solidFill>
+                  <a:srgbClr val="666666"/>
+                </a:solidFill>
+                <a:latin typeface="Nunito Sans"/>
+                <a:ea typeface="Nunito Sans"/>
+                <a:cs typeface="Nunito Sans"/>
+                <a:sym typeface="Nunito Sans"/>
+              </a:rPr>
+              <a:t>código</a:t>
+            </a:r>
+          </a:p>
+          <a:p>
+            <a:pPr marL="0" indent="0">
+              <a:buNone/>
+            </a:pPr>
+            <a:r>
+              <a:rPr lang="es-MX" sz="1400" b="1" dirty="0"/>
+              <a:t>https://github.com/uliancona98/TechnoShop</a:t>
+            </a:r>
+          </a:p>
+          <a:p>
+            <a:pPr marL="0" marR="0" lvl="0" indent="0" algn="l" rtl="0">
+              <a:lnSpc>
+                <a:spcPct val="115000"/>
+              </a:lnSpc>
+              <a:spcBef>
+                <a:spcPts val="600"/>
+              </a:spcBef>
+              <a:spcAft>
+                <a:spcPts val="0"/>
+              </a:spcAft>
+              <a:buClr>
+                <a:srgbClr val="CCCCCC"/>
+              </a:buClr>
+              <a:buSzPts val="1100"/>
+              <a:buFont typeface="Nunito Sans"/>
+              <a:buNone/>
+            </a:pPr>
+            <a:endParaRPr sz="1400" b="0" i="0" u="none" strike="noStrike" cap="none" dirty="0">
               <a:solidFill>
                 <a:srgbClr val="666666"/>
               </a:solidFill>
